--- a/Presentation/MonitorizareaSiPredictiaSchimbarilorClimatice.pptx
+++ b/Presentation/MonitorizareaSiPredictiaSchimbarilorClimatice.pptx
@@ -2012,7 +2012,11 @@
           </a:r>
           <a:r>
             <a:rPr lang="en-GB" sz="1800" b="0" i="0" dirty="0" err="1"/>
-            <a:t>optimizării</a:t>
+            <a:t>performan</a:t>
+          </a:r>
+          <a:r>
+            <a:rPr lang="ro-RO" sz="1800" b="0" i="0" dirty="0" err="1"/>
+            <a:t>ței</a:t>
           </a:r>
           <a:r>
             <a:rPr lang="en-GB" sz="1800" b="0" i="0" dirty="0"/>
@@ -3273,7 +3277,11 @@
           </a:r>
           <a:r>
             <a:rPr lang="en-GB" sz="1800" b="0" i="0" kern="1200" dirty="0" err="1"/>
-            <a:t>optimizării</a:t>
+            <a:t>performan</a:t>
+          </a:r>
+          <a:r>
+            <a:rPr lang="ro-RO" sz="1800" b="0" i="0" kern="1200" dirty="0" err="1"/>
+            <a:t>ței</a:t>
           </a:r>
           <a:r>
             <a:rPr lang="en-GB" sz="1800" b="0" i="0" kern="1200" dirty="0"/>
@@ -7279,7 +7287,7 @@
           <a:p>
             <a:fld id="{72EA7947-E287-4738-8C82-07CE4F01EF03}" type="datetime2">
               <a:rPr lang="en-US" smtClean="0"/>
-              <a:t>Monday, May 16, 2022</a:t>
+              <a:t>Wednesday, May 18, 2022</a:t>
             </a:fld>
             <a:endParaRPr lang="en-US" dirty="0"/>
           </a:p>
@@ -8315,7 +8323,7 @@
           <a:p>
             <a:fld id="{EE2EBD84-71F4-4271-8C46-0D47C0A9B12E}" type="datetime2">
               <a:rPr lang="en-US" smtClean="0"/>
-              <a:t>Monday, May 16, 2022</a:t>
+              <a:t>Wednesday, May 18, 2022</a:t>
             </a:fld>
             <a:endParaRPr lang="en-US"/>
           </a:p>
@@ -8526,7 +8534,7 @@
           <a:p>
             <a:fld id="{ABAE0CE1-F450-4107-B2CB-17B18F8A3F4A}" type="datetime2">
               <a:rPr lang="en-US" smtClean="0"/>
-              <a:t>Monday, May 16, 2022</a:t>
+              <a:t>Wednesday, May 18, 2022</a:t>
             </a:fld>
             <a:endParaRPr lang="en-US"/>
           </a:p>
@@ -9191,7 +9199,7 @@
           <a:p>
             <a:fld id="{6FE8C025-CD7A-4966-867E-81CF82B15267}" type="datetime2">
               <a:rPr lang="en-US" smtClean="0"/>
-              <a:t>Monday, May 16, 2022</a:t>
+              <a:t>Wednesday, May 18, 2022</a:t>
             </a:fld>
             <a:endParaRPr lang="en-US"/>
           </a:p>
@@ -9811,7 +9819,7 @@
           <a:p>
             <a:fld id="{FE809929-0719-4517-94D6-FDF7F99E70F6}" type="datetime2">
               <a:rPr lang="en-US" smtClean="0"/>
-              <a:t>Monday, May 16, 2022</a:t>
+              <a:t>Wednesday, May 18, 2022</a:t>
             </a:fld>
             <a:endParaRPr lang="en-US"/>
           </a:p>
@@ -10929,7 +10937,7 @@
           <a:p>
             <a:fld id="{20E95673-5512-4AAA-9AEB-E00C61EC65D5}" type="datetime2">
               <a:rPr lang="en-US" smtClean="0"/>
-              <a:t>Monday, May 16, 2022</a:t>
+              <a:t>Wednesday, May 18, 2022</a:t>
             </a:fld>
             <a:endParaRPr lang="en-US"/>
           </a:p>
@@ -11476,7 +11484,7 @@
           <a:p>
             <a:fld id="{C13138FA-2E87-4873-8BBA-13E447C9A99A}" type="datetime2">
               <a:rPr lang="en-US" smtClean="0"/>
-              <a:t>Monday, May 16, 2022</a:t>
+              <a:t>Wednesday, May 18, 2022</a:t>
             </a:fld>
             <a:endParaRPr lang="en-US"/>
           </a:p>
@@ -11637,7 +11645,7 @@
           <a:p>
             <a:fld id="{D75BB40A-97BD-4BFB-B639-0BFF95FDE8B7}" type="datetime2">
               <a:rPr lang="en-US" smtClean="0"/>
-              <a:t>Monday, May 16, 2022</a:t>
+              <a:t>Wednesday, May 18, 2022</a:t>
             </a:fld>
             <a:endParaRPr lang="en-US"/>
           </a:p>
@@ -12672,7 +12680,7 @@
           <a:p>
             <a:fld id="{9EE9E0E3-ECF6-4CFE-8698-AEFEBCECC3C0}" type="datetime2">
               <a:rPr lang="en-US" smtClean="0"/>
-              <a:t>Monday, May 16, 2022</a:t>
+              <a:t>Wednesday, May 18, 2022</a:t>
             </a:fld>
             <a:endParaRPr lang="en-US"/>
           </a:p>
@@ -13318,7 +13326,7 @@
           <a:p>
             <a:fld id="{251462FC-960E-4740-921F-B36862979F21}" type="datetime2">
               <a:rPr lang="en-US" smtClean="0"/>
-              <a:t>Monday, May 16, 2022</a:t>
+              <a:t>Wednesday, May 18, 2022</a:t>
             </a:fld>
             <a:endParaRPr lang="en-US"/>
           </a:p>
@@ -14082,7 +14090,7 @@
           <a:p>
             <a:fld id="{E50BC9E2-CB44-4C05-9BB5-496C18A241E0}" type="datetime2">
               <a:rPr lang="en-US" smtClean="0"/>
-              <a:t>Monday, May 16, 2022</a:t>
+              <a:t>Wednesday, May 18, 2022</a:t>
             </a:fld>
             <a:endParaRPr lang="en-US"/>
           </a:p>
@@ -14335,7 +14343,7 @@
           <a:p>
             <a:fld id="{246CB39B-5F4C-4A7E-9BE3-AAFD45576D16}" type="datetime2">
               <a:rPr lang="en-US" smtClean="0"/>
-              <a:t>Monday, May 16, 2022</a:t>
+              <a:t>Wednesday, May 18, 2022</a:t>
             </a:fld>
             <a:endParaRPr lang="en-US" dirty="0"/>
           </a:p>
@@ -16066,7 +16074,7 @@
                   </a:schemeClr>
                 </a:solidFill>
               </a:rPr>
-              <a:t>respiratorice</a:t>
+              <a:t>respiratorii</a:t>
             </a:r>
             <a:endParaRPr lang="en-US" sz="1600" dirty="0">
               <a:solidFill>
@@ -16095,7 +16103,7 @@
                   </a:schemeClr>
                 </a:solidFill>
               </a:rPr>
-              <a:t>prevenirea</a:t>
+              <a:t>Prevenirea</a:t>
             </a:r>
             <a:r>
               <a:rPr lang="en-US" sz="1600" dirty="0">
@@ -17469,7 +17477,7 @@
             <p:ph idx="1"/>
             <p:extLst>
               <p:ext uri="{D42A27DB-BD31-4B8C-83A1-F6EECF244321}">
-                <p14:modId xmlns:p14="http://schemas.microsoft.com/office/powerpoint/2010/main" val="2079153915"/>
+                <p14:modId xmlns:p14="http://schemas.microsoft.com/office/powerpoint/2010/main" val="3661558212"/>
               </p:ext>
             </p:extLst>
           </p:nvPr>
@@ -17810,7 +17818,7 @@
                   </a:schemeClr>
                 </a:solidFill>
               </a:rPr>
-              <a:t>intelligenți</a:t>
+              <a:t>inteligenți</a:t>
             </a:r>
             <a:r>
               <a:rPr lang="en-GB" dirty="0">
@@ -18282,7 +18290,27 @@
                   </a:schemeClr>
                 </a:solidFill>
               </a:rPr>
-              <a:t> 230 mii de </a:t>
+              <a:t> 230</a:t>
+            </a:r>
+            <a:r>
+              <a:rPr lang="ro-RO" sz="1600" dirty="0">
+                <a:solidFill>
+                  <a:schemeClr val="tx1">
+                    <a:alpha val="60000"/>
+                  </a:schemeClr>
+                </a:solidFill>
+              </a:rPr>
+              <a:t> de</a:t>
+            </a:r>
+            <a:r>
+              <a:rPr lang="en-US" sz="1600" dirty="0">
+                <a:solidFill>
+                  <a:schemeClr val="tx1">
+                    <a:alpha val="60000"/>
+                  </a:schemeClr>
+                </a:solidFill>
+              </a:rPr>
+              <a:t> mii de </a:t>
             </a:r>
             <a:r>
               <a:rPr lang="en-US" sz="1600" dirty="0" err="1">
@@ -18728,7 +18756,27 @@
                   </a:schemeClr>
                 </a:solidFill>
               </a:rPr>
-              <a:t> 162 mii de date </a:t>
+              <a:t> 162</a:t>
+            </a:r>
+            <a:r>
+              <a:rPr lang="ro-RO" sz="1600" dirty="0">
+                <a:solidFill>
+                  <a:schemeClr val="tx1">
+                    <a:alpha val="60000"/>
+                  </a:schemeClr>
+                </a:solidFill>
+              </a:rPr>
+              <a:t> de</a:t>
+            </a:r>
+            <a:r>
+              <a:rPr lang="en-GB" sz="1600" dirty="0">
+                <a:solidFill>
+                  <a:schemeClr val="tx1">
+                    <a:alpha val="60000"/>
+                  </a:schemeClr>
+                </a:solidFill>
+              </a:rPr>
+              <a:t> mii de date </a:t>
             </a:r>
           </a:p>
           <a:p>
@@ -18967,8 +19015,8 @@
           </a:custGeom>
         </p:spPr>
       </p:pic>
-      <mc:AlternateContent xmlns:mc="http://schemas.openxmlformats.org/markup-compatibility/2006">
-        <mc:Choice xmlns:a14="http://schemas.microsoft.com/office/drawing/2010/main" Requires="a14">
+      <mc:AlternateContent xmlns:mc="http://schemas.openxmlformats.org/markup-compatibility/2006" xmlns:a14="http://schemas.microsoft.com/office/drawing/2010/main">
+        <mc:Choice Requires="a14">
           <p:sp>
             <p:nvSpPr>
               <p:cNvPr id="30" name="Content Placeholder 29">
@@ -19557,7 +19605,7 @@
             </p:txBody>
           </p:sp>
         </mc:Choice>
-        <mc:Fallback>
+        <mc:Fallback xmlns="">
           <p:sp>
             <p:nvSpPr>
               <p:cNvPr id="30" name="Content Placeholder 29">
